--- a/Documents/FinalPresentation/finalPre.pptx
+++ b/Documents/FinalPresentation/finalPre.pptx
@@ -7,12 +7,17 @@
   <p:sldIdLst>
     <p:sldId id="256" r:id="rId2"/>
     <p:sldId id="257" r:id="rId3"/>
-    <p:sldId id="258" r:id="rId4"/>
-    <p:sldId id="259" r:id="rId5"/>
-    <p:sldId id="262" r:id="rId6"/>
-    <p:sldId id="260" r:id="rId7"/>
-    <p:sldId id="261" r:id="rId8"/>
-    <p:sldId id="263" r:id="rId9"/>
+    <p:sldId id="267" r:id="rId4"/>
+    <p:sldId id="258" r:id="rId5"/>
+    <p:sldId id="265" r:id="rId6"/>
+    <p:sldId id="266" r:id="rId7"/>
+    <p:sldId id="268" r:id="rId8"/>
+    <p:sldId id="262" r:id="rId9"/>
+    <p:sldId id="260" r:id="rId10"/>
+    <p:sldId id="270" r:id="rId11"/>
+    <p:sldId id="261" r:id="rId12"/>
+    <p:sldId id="263" r:id="rId13"/>
+    <p:sldId id="269" r:id="rId14"/>
   </p:sldIdLst>
   <p:sldSz cx="12192000" cy="6858000"/>
   <p:notesSz cx="6858000" cy="9144000"/>
@@ -111,6 +116,11 @@
       </a:defRPr>
     </a:lvl9pPr>
   </p:defaultTextStyle>
+  <p:extLst>
+    <p:ext uri="{EFAFB233-063F-42B5-8137-9DF3F51BA10A}">
+      <p15:sldGuideLst xmlns:p15="http://schemas.microsoft.com/office/powerpoint/2012/main"/>
+    </p:ext>
+  </p:extLst>
 </p:presentation>
 </file>
 
@@ -3409,6 +3419,586 @@
 </p:sld>
 </file>
 
+<file path=ppt/slides/slide10.xml><?xml version="1.0" encoding="utf-8"?>
+<p:sld xmlns:a="http://schemas.openxmlformats.org/drawingml/2006/main" xmlns:r="http://schemas.openxmlformats.org/officeDocument/2006/relationships" xmlns:p="http://schemas.openxmlformats.org/presentationml/2006/main">
+  <p:cSld>
+    <p:spTree>
+      <p:nvGrpSpPr>
+        <p:cNvPr id="1" name=""/>
+        <p:cNvGrpSpPr/>
+        <p:nvPr/>
+      </p:nvGrpSpPr>
+      <p:grpSpPr>
+        <a:xfrm>
+          <a:off x="0" y="0"/>
+          <a:ext cx="0" cy="0"/>
+          <a:chOff x="0" y="0"/>
+          <a:chExt cx="0" cy="0"/>
+        </a:xfrm>
+      </p:grpSpPr>
+      <p:sp>
+        <p:nvSpPr>
+          <p:cNvPr id="2" name="标题 1">
+            <a:extLst>
+              <a:ext uri="{FF2B5EF4-FFF2-40B4-BE49-F238E27FC236}">
+                <a16:creationId xmlns:a16="http://schemas.microsoft.com/office/drawing/2014/main" id="{AC8D5EE0-0619-4869-AF30-44CEE6AFFAEE}"/>
+              </a:ext>
+            </a:extLst>
+          </p:cNvPr>
+          <p:cNvSpPr>
+            <a:spLocks noGrp="1"/>
+          </p:cNvSpPr>
+          <p:nvPr>
+            <p:ph type="title"/>
+          </p:nvPr>
+        </p:nvSpPr>
+        <p:spPr/>
+        <p:txBody>
+          <a:bodyPr/>
+          <a:lstStyle/>
+          <a:p>
+            <a:pPr marL="514350" indent="-514350"/>
+            <a:r>
+              <a:rPr lang="en-IE" altLang="zh-CN" dirty="0"/>
+              <a:t>Building a knowledge graph</a:t>
+            </a:r>
+          </a:p>
+        </p:txBody>
+      </p:sp>
+      <p:sp>
+        <p:nvSpPr>
+          <p:cNvPr id="3" name="内容占位符 2">
+            <a:extLst>
+              <a:ext uri="{FF2B5EF4-FFF2-40B4-BE49-F238E27FC236}">
+                <a16:creationId xmlns:a16="http://schemas.microsoft.com/office/drawing/2014/main" id="{147BAA80-7B5A-47A7-BE46-13042720BC02}"/>
+              </a:ext>
+            </a:extLst>
+          </p:cNvPr>
+          <p:cNvSpPr>
+            <a:spLocks noGrp="1"/>
+          </p:cNvSpPr>
+          <p:nvPr>
+            <p:ph idx="1"/>
+          </p:nvPr>
+        </p:nvSpPr>
+        <p:spPr/>
+        <p:txBody>
+          <a:bodyPr>
+            <a:normAutofit/>
+          </a:bodyPr>
+          <a:lstStyle/>
+          <a:p>
+            <a:r>
+              <a:rPr lang="en-IE" altLang="zh-CN" dirty="0"/>
+              <a:t>Course</a:t>
+            </a:r>
+          </a:p>
+          <a:p>
+            <a:pPr lvl="1"/>
+            <a:r>
+              <a:rPr lang="en-IE" altLang="zh-CN" dirty="0"/>
+              <a:t>Course Abbreviation, Course Name, Description</a:t>
+            </a:r>
+          </a:p>
+          <a:p>
+            <a:pPr lvl="1"/>
+            <a:r>
+              <a:rPr lang="en-IE" altLang="zh-CN" dirty="0"/>
+              <a:t>Program Name, University Name</a:t>
+            </a:r>
+          </a:p>
+          <a:p>
+            <a:pPr lvl="1"/>
+            <a:r>
+              <a:rPr lang="en-IE" altLang="zh-CN" dirty="0"/>
+              <a:t>Section IDs</a:t>
+            </a:r>
+          </a:p>
+          <a:p>
+            <a:r>
+              <a:rPr lang="en-IE" altLang="zh-CN" dirty="0"/>
+              <a:t>Section</a:t>
+            </a:r>
+          </a:p>
+          <a:p>
+            <a:pPr lvl="1"/>
+            <a:r>
+              <a:rPr lang="en-IE" altLang="zh-CN" dirty="0"/>
+              <a:t>Days, Time, Location, Syllabus Link, Email, Session Type, Office Hour</a:t>
+            </a:r>
+          </a:p>
+          <a:p>
+            <a:pPr lvl="1"/>
+            <a:r>
+              <a:rPr lang="en-IE" altLang="zh-CN" dirty="0"/>
+              <a:t>Instructor ID</a:t>
+            </a:r>
+          </a:p>
+          <a:p>
+            <a:r>
+              <a:rPr lang="en-IE" altLang="zh-CN" dirty="0"/>
+              <a:t>Instructor</a:t>
+            </a:r>
+          </a:p>
+          <a:p>
+            <a:pPr lvl="1"/>
+            <a:r>
+              <a:rPr lang="en-IE" altLang="zh-CN" dirty="0"/>
+              <a:t>Instructor Name, Instructor Link</a:t>
+            </a:r>
+          </a:p>
+        </p:txBody>
+      </p:sp>
+    </p:spTree>
+    <p:extLst>
+      <p:ext uri="{BB962C8B-B14F-4D97-AF65-F5344CB8AC3E}">
+        <p14:creationId xmlns:p14="http://schemas.microsoft.com/office/powerpoint/2010/main" val="1923101389"/>
+      </p:ext>
+    </p:extLst>
+  </p:cSld>
+  <p:clrMapOvr>
+    <a:masterClrMapping/>
+  </p:clrMapOvr>
+</p:sld>
+</file>
+
+<file path=ppt/slides/slide11.xml><?xml version="1.0" encoding="utf-8"?>
+<p:sld xmlns:a="http://schemas.openxmlformats.org/drawingml/2006/main" xmlns:r="http://schemas.openxmlformats.org/officeDocument/2006/relationships" xmlns:p="http://schemas.openxmlformats.org/presentationml/2006/main">
+  <p:cSld>
+    <p:spTree>
+      <p:nvGrpSpPr>
+        <p:cNvPr id="1" name=""/>
+        <p:cNvGrpSpPr/>
+        <p:nvPr/>
+      </p:nvGrpSpPr>
+      <p:grpSpPr>
+        <a:xfrm>
+          <a:off x="0" y="0"/>
+          <a:ext cx="0" cy="0"/>
+          <a:chOff x="0" y="0"/>
+          <a:chExt cx="0" cy="0"/>
+        </a:xfrm>
+      </p:grpSpPr>
+      <p:sp>
+        <p:nvSpPr>
+          <p:cNvPr id="2" name="标题 1">
+            <a:extLst>
+              <a:ext uri="{FF2B5EF4-FFF2-40B4-BE49-F238E27FC236}">
+                <a16:creationId xmlns:a16="http://schemas.microsoft.com/office/drawing/2014/main" id="{AC8D5EE0-0619-4869-AF30-44CEE6AFFAEE}"/>
+              </a:ext>
+            </a:extLst>
+          </p:cNvPr>
+          <p:cNvSpPr>
+            <a:spLocks noGrp="1"/>
+          </p:cNvSpPr>
+          <p:nvPr>
+            <p:ph type="title"/>
+          </p:nvPr>
+        </p:nvSpPr>
+        <p:spPr/>
+        <p:txBody>
+          <a:bodyPr/>
+          <a:lstStyle/>
+          <a:p>
+            <a:pPr marL="514350" indent="-514350"/>
+            <a:r>
+              <a:rPr lang="en-IE" altLang="zh-CN" dirty="0"/>
+              <a:t>Building a knowledge graph</a:t>
+            </a:r>
+          </a:p>
+        </p:txBody>
+      </p:sp>
+      <p:sp>
+        <p:nvSpPr>
+          <p:cNvPr id="3" name="内容占位符 2">
+            <a:extLst>
+              <a:ext uri="{FF2B5EF4-FFF2-40B4-BE49-F238E27FC236}">
+                <a16:creationId xmlns:a16="http://schemas.microsoft.com/office/drawing/2014/main" id="{147BAA80-7B5A-47A7-BE46-13042720BC02}"/>
+              </a:ext>
+            </a:extLst>
+          </p:cNvPr>
+          <p:cNvSpPr>
+            <a:spLocks noGrp="1"/>
+          </p:cNvSpPr>
+          <p:nvPr>
+            <p:ph idx="1"/>
+          </p:nvPr>
+        </p:nvSpPr>
+        <p:spPr/>
+        <p:txBody>
+          <a:bodyPr/>
+          <a:lstStyle/>
+          <a:p>
+            <a:r>
+              <a:rPr lang="en-IE" altLang="zh-CN" dirty="0"/>
+              <a:t>PDF syllabus extraction</a:t>
+            </a:r>
+          </a:p>
+          <a:p>
+            <a:pPr lvl="1"/>
+            <a:r>
+              <a:rPr lang="en-IE" altLang="zh-CN" dirty="0"/>
+              <a:t>Instructor email, Section office hour</a:t>
+            </a:r>
+          </a:p>
+          <a:p>
+            <a:pPr lvl="1"/>
+            <a:r>
+              <a:rPr lang="en-IE" altLang="zh-CN" dirty="0"/>
+              <a:t>PDF =&gt; text</a:t>
+            </a:r>
+          </a:p>
+          <a:p>
+            <a:pPr lvl="1"/>
+            <a:r>
+              <a:rPr lang="en-IE" altLang="zh-CN" dirty="0"/>
+              <a:t>Regular expression</a:t>
+            </a:r>
+          </a:p>
+          <a:p>
+            <a:pPr lvl="1"/>
+            <a:endParaRPr lang="en-IE" altLang="zh-CN" dirty="0"/>
+          </a:p>
+          <a:p>
+            <a:pPr marL="0" indent="0">
+              <a:buNone/>
+            </a:pPr>
+            <a:endParaRPr lang="en-IE" altLang="zh-CN" dirty="0"/>
+          </a:p>
+          <a:p>
+            <a:r>
+              <a:rPr lang="en-IE" altLang="zh-CN" dirty="0"/>
+              <a:t>Instructor entity matching</a:t>
+            </a:r>
+          </a:p>
+          <a:p>
+            <a:pPr lvl="1"/>
+            <a:r>
+              <a:rPr lang="en-IE" altLang="zh-CN" dirty="0"/>
+              <a:t>Similarity of instructor name</a:t>
+            </a:r>
+          </a:p>
+          <a:p>
+            <a:pPr lvl="1"/>
+            <a:r>
+              <a:rPr lang="en-IE" altLang="zh-CN" dirty="0"/>
+              <a:t>Edit distance</a:t>
+            </a:r>
+          </a:p>
+        </p:txBody>
+      </p:sp>
+    </p:spTree>
+    <p:extLst>
+      <p:ext uri="{BB962C8B-B14F-4D97-AF65-F5344CB8AC3E}">
+        <p14:creationId xmlns:p14="http://schemas.microsoft.com/office/powerpoint/2010/main" val="1805502130"/>
+      </p:ext>
+    </p:extLst>
+  </p:cSld>
+  <p:clrMapOvr>
+    <a:masterClrMapping/>
+  </p:clrMapOvr>
+</p:sld>
+</file>
+
+<file path=ppt/slides/slide12.xml><?xml version="1.0" encoding="utf-8"?>
+<p:sld xmlns:a="http://schemas.openxmlformats.org/drawingml/2006/main" xmlns:r="http://schemas.openxmlformats.org/officeDocument/2006/relationships" xmlns:p="http://schemas.openxmlformats.org/presentationml/2006/main">
+  <p:cSld>
+    <p:spTree>
+      <p:nvGrpSpPr>
+        <p:cNvPr id="1" name=""/>
+        <p:cNvGrpSpPr/>
+        <p:nvPr/>
+      </p:nvGrpSpPr>
+      <p:grpSpPr>
+        <a:xfrm>
+          <a:off x="0" y="0"/>
+          <a:ext cx="0" cy="0"/>
+          <a:chOff x="0" y="0"/>
+          <a:chExt cx="0" cy="0"/>
+        </a:xfrm>
+      </p:grpSpPr>
+      <p:sp>
+        <p:nvSpPr>
+          <p:cNvPr id="2" name="标题 1">
+            <a:extLst>
+              <a:ext uri="{FF2B5EF4-FFF2-40B4-BE49-F238E27FC236}">
+                <a16:creationId xmlns:a16="http://schemas.microsoft.com/office/drawing/2014/main" id="{AC8D5EE0-0619-4869-AF30-44CEE6AFFAEE}"/>
+              </a:ext>
+            </a:extLst>
+          </p:cNvPr>
+          <p:cNvSpPr>
+            <a:spLocks noGrp="1"/>
+          </p:cNvSpPr>
+          <p:nvPr>
+            <p:ph type="title"/>
+          </p:nvPr>
+        </p:nvSpPr>
+        <p:spPr/>
+        <p:txBody>
+          <a:bodyPr/>
+          <a:lstStyle/>
+          <a:p>
+            <a:pPr marL="514350" indent="-514350"/>
+            <a:r>
+              <a:rPr lang="en-IE" altLang="zh-CN" dirty="0"/>
+              <a:t>Building a knowledge graph</a:t>
+            </a:r>
+          </a:p>
+        </p:txBody>
+      </p:sp>
+      <p:sp>
+        <p:nvSpPr>
+          <p:cNvPr id="3" name="内容占位符 2">
+            <a:extLst>
+              <a:ext uri="{FF2B5EF4-FFF2-40B4-BE49-F238E27FC236}">
+                <a16:creationId xmlns:a16="http://schemas.microsoft.com/office/drawing/2014/main" id="{147BAA80-7B5A-47A7-BE46-13042720BC02}"/>
+              </a:ext>
+            </a:extLst>
+          </p:cNvPr>
+          <p:cNvSpPr>
+            <a:spLocks noGrp="1"/>
+          </p:cNvSpPr>
+          <p:nvPr>
+            <p:ph idx="1"/>
+          </p:nvPr>
+        </p:nvSpPr>
+        <p:spPr/>
+        <p:txBody>
+          <a:bodyPr/>
+          <a:lstStyle/>
+          <a:p>
+            <a:r>
+              <a:rPr lang="en-IE" altLang="zh-CN" dirty="0"/>
+              <a:t>Application</a:t>
+            </a:r>
+          </a:p>
+          <a:p>
+            <a:pPr lvl="1"/>
+            <a:r>
+              <a:rPr lang="en-IE" altLang="zh-CN" dirty="0"/>
+              <a:t>Elasticsearch</a:t>
+            </a:r>
+          </a:p>
+          <a:p>
+            <a:pPr lvl="1"/>
+            <a:r>
+              <a:rPr lang="en-US" altLang="zh-CN" dirty="0" err="1"/>
+              <a:t>Tkinter</a:t>
+            </a:r>
+            <a:r>
+              <a:rPr lang="en-IE" altLang="zh-CN" dirty="0"/>
+              <a:t> Python GUI, JSON Viewer</a:t>
+            </a:r>
+          </a:p>
+          <a:p>
+            <a:pPr lvl="1"/>
+            <a:endParaRPr lang="en-IE" altLang="zh-CN" dirty="0"/>
+          </a:p>
+          <a:p>
+            <a:pPr lvl="1"/>
+            <a:r>
+              <a:rPr lang="en-IE" altLang="zh-CN" dirty="0"/>
+              <a:t>Breadth query – Same type ranked by similarity score</a:t>
+            </a:r>
+          </a:p>
+          <a:p>
+            <a:pPr lvl="1"/>
+            <a:r>
+              <a:rPr lang="en-IE" altLang="zh-CN" dirty="0"/>
+              <a:t>Depth query – Linked objects</a:t>
+            </a:r>
+            <a:endParaRPr lang="en-US" altLang="zh-CN" dirty="0"/>
+          </a:p>
+          <a:p>
+            <a:pPr lvl="1"/>
+            <a:endParaRPr lang="en-IE" altLang="zh-CN" dirty="0"/>
+          </a:p>
+        </p:txBody>
+      </p:sp>
+    </p:spTree>
+    <p:extLst>
+      <p:ext uri="{BB962C8B-B14F-4D97-AF65-F5344CB8AC3E}">
+        <p14:creationId xmlns:p14="http://schemas.microsoft.com/office/powerpoint/2010/main" val="2544722848"/>
+      </p:ext>
+    </p:extLst>
+  </p:cSld>
+  <p:clrMapOvr>
+    <a:masterClrMapping/>
+  </p:clrMapOvr>
+</p:sld>
+</file>
+
+<file path=ppt/slides/slide13.xml><?xml version="1.0" encoding="utf-8"?>
+<p:sld xmlns:a="http://schemas.openxmlformats.org/drawingml/2006/main" xmlns:r="http://schemas.openxmlformats.org/officeDocument/2006/relationships" xmlns:p="http://schemas.openxmlformats.org/presentationml/2006/main">
+  <p:cSld>
+    <p:spTree>
+      <p:nvGrpSpPr>
+        <p:cNvPr id="1" name=""/>
+        <p:cNvGrpSpPr/>
+        <p:nvPr/>
+      </p:nvGrpSpPr>
+      <p:grpSpPr>
+        <a:xfrm>
+          <a:off x="0" y="0"/>
+          <a:ext cx="0" cy="0"/>
+          <a:chOff x="0" y="0"/>
+          <a:chExt cx="0" cy="0"/>
+        </a:xfrm>
+      </p:grpSpPr>
+      <p:sp>
+        <p:nvSpPr>
+          <p:cNvPr id="2" name="标题 1">
+            <a:extLst>
+              <a:ext uri="{FF2B5EF4-FFF2-40B4-BE49-F238E27FC236}">
+                <a16:creationId xmlns:a16="http://schemas.microsoft.com/office/drawing/2014/main" id="{B9D52297-98F4-40EE-BAC7-07FFCB876303}"/>
+              </a:ext>
+            </a:extLst>
+          </p:cNvPr>
+          <p:cNvSpPr>
+            <a:spLocks noGrp="1"/>
+          </p:cNvSpPr>
+          <p:nvPr>
+            <p:ph type="title"/>
+          </p:nvPr>
+        </p:nvSpPr>
+        <p:spPr/>
+        <p:txBody>
+          <a:bodyPr>
+            <a:normAutofit/>
+          </a:bodyPr>
+          <a:lstStyle/>
+          <a:p>
+            <a:r>
+              <a:rPr lang="en-US" altLang="zh-CN" sz="4000" dirty="0"/>
+              <a:t>Course Knowledge Graph from USC, UCLA, UCB</a:t>
+            </a:r>
+            <a:endParaRPr lang="zh-CN" altLang="en-US" sz="4000" dirty="0"/>
+          </a:p>
+        </p:txBody>
+      </p:sp>
+      <p:sp>
+        <p:nvSpPr>
+          <p:cNvPr id="3" name="内容占位符 2">
+            <a:extLst>
+              <a:ext uri="{FF2B5EF4-FFF2-40B4-BE49-F238E27FC236}">
+                <a16:creationId xmlns:a16="http://schemas.microsoft.com/office/drawing/2014/main" id="{77CEC8E0-ABD1-4FCC-B280-33AA3C027B91}"/>
+              </a:ext>
+            </a:extLst>
+          </p:cNvPr>
+          <p:cNvSpPr>
+            <a:spLocks noGrp="1"/>
+          </p:cNvSpPr>
+          <p:nvPr>
+            <p:ph idx="1"/>
+          </p:nvPr>
+        </p:nvSpPr>
+        <p:spPr/>
+        <p:txBody>
+          <a:bodyPr/>
+          <a:lstStyle/>
+          <a:p>
+            <a:pPr marL="514350" indent="-514350">
+              <a:buFont typeface="+mj-lt"/>
+              <a:buAutoNum type="arabicPeriod"/>
+            </a:pPr>
+            <a:r>
+              <a:rPr lang="en-IE" altLang="zh-CN" dirty="0"/>
+              <a:t>Building a Distributed web crawler </a:t>
+            </a:r>
+          </a:p>
+          <a:p>
+            <a:pPr lvl="1"/>
+            <a:r>
+              <a:rPr lang="en-IE" altLang="zh-CN" dirty="0"/>
+              <a:t>Master &amp; spiders structure</a:t>
+            </a:r>
+          </a:p>
+          <a:p>
+            <a:pPr lvl="1"/>
+            <a:r>
+              <a:rPr lang="en-IE" altLang="zh-CN" dirty="0"/>
+              <a:t>Guaranty politeness and priority</a:t>
+            </a:r>
+          </a:p>
+          <a:p>
+            <a:pPr lvl="1"/>
+            <a:r>
+              <a:rPr lang="en-IE" altLang="zh-CN" dirty="0"/>
+              <a:t>Base on Apache Kafka, Redis, MongoDB and </a:t>
+            </a:r>
+            <a:r>
+              <a:rPr lang="en-IE" altLang="zh-CN" dirty="0" err="1"/>
+              <a:t>scrapy</a:t>
+            </a:r>
+            <a:endParaRPr lang="en-IE" altLang="zh-CN" dirty="0"/>
+          </a:p>
+          <a:p>
+            <a:pPr marL="0" indent="0">
+              <a:buNone/>
+            </a:pPr>
+            <a:endParaRPr lang="en-IE" altLang="zh-CN" dirty="0"/>
+          </a:p>
+          <a:p>
+            <a:pPr marL="514350" indent="-514350">
+              <a:buFont typeface="+mj-lt"/>
+              <a:buAutoNum type="arabicPeriod" startAt="2"/>
+            </a:pPr>
+            <a:r>
+              <a:rPr lang="en-IE" altLang="zh-CN" dirty="0"/>
+              <a:t>Building a knowledge Graph</a:t>
+            </a:r>
+          </a:p>
+          <a:p>
+            <a:pPr lvl="1"/>
+            <a:r>
+              <a:rPr lang="en-IE" altLang="zh-CN" dirty="0"/>
+              <a:t>Ontology</a:t>
+            </a:r>
+          </a:p>
+          <a:p>
+            <a:pPr lvl="1"/>
+            <a:r>
+              <a:rPr lang="en-IE" altLang="zh-CN" dirty="0"/>
+              <a:t>PDF extraction</a:t>
+            </a:r>
+          </a:p>
+          <a:p>
+            <a:pPr lvl="1"/>
+            <a:r>
+              <a:rPr lang="en-IE" altLang="zh-CN" dirty="0"/>
+              <a:t>Instructor entity matching</a:t>
+            </a:r>
+          </a:p>
+          <a:p>
+            <a:pPr lvl="1"/>
+            <a:r>
+              <a:rPr lang="en-IE" altLang="zh-CN" dirty="0"/>
+              <a:t>Elasticsearch &amp; queries</a:t>
+            </a:r>
+            <a:endParaRPr lang="zh-CN" altLang="en-US" dirty="0"/>
+          </a:p>
+          <a:p>
+            <a:pPr marL="971550" lvl="1" indent="-514350">
+              <a:buFont typeface="+mj-lt"/>
+              <a:buAutoNum type="arabicPeriod" startAt="2"/>
+            </a:pPr>
+            <a:endParaRPr lang="en-IE" altLang="zh-CN" dirty="0"/>
+          </a:p>
+        </p:txBody>
+      </p:sp>
+    </p:spTree>
+    <p:extLst>
+      <p:ext uri="{BB962C8B-B14F-4D97-AF65-F5344CB8AC3E}">
+        <p14:creationId xmlns:p14="http://schemas.microsoft.com/office/powerpoint/2010/main" val="2783206561"/>
+      </p:ext>
+    </p:extLst>
+  </p:cSld>
+  <p:clrMapOvr>
+    <a:masterClrMapping/>
+  </p:clrMapOvr>
+</p:sld>
+</file>
+
 <file path=ppt/slides/slide2.xml><?xml version="1.0" encoding="utf-8"?>
 <p:sld xmlns:a="http://schemas.openxmlformats.org/drawingml/2006/main" xmlns:r="http://schemas.openxmlformats.org/officeDocument/2006/relationships" xmlns:p="http://schemas.openxmlformats.org/presentationml/2006/main">
   <p:cSld>
@@ -3486,32 +4076,6 @@
             </a:r>
           </a:p>
           <a:p>
-            <a:pPr lvl="1"/>
-            <a:r>
-              <a:rPr lang="en-IE" altLang="zh-CN" dirty="0"/>
-              <a:t>Master &amp; spiders structure</a:t>
-            </a:r>
-          </a:p>
-          <a:p>
-            <a:pPr lvl="1"/>
-            <a:r>
-              <a:rPr lang="en-IE" altLang="zh-CN" dirty="0"/>
-              <a:t>Guaranty politeness and priority</a:t>
-            </a:r>
-          </a:p>
-          <a:p>
-            <a:pPr lvl="1"/>
-            <a:r>
-              <a:rPr lang="en-IE" altLang="zh-CN" dirty="0"/>
-              <a:t>Base on Apache Kafka, Redis, MongoDB and </a:t>
-            </a:r>
-            <a:r>
-              <a:rPr lang="en-IE" altLang="zh-CN" dirty="0" err="1"/>
-              <a:t>scrapy</a:t>
-            </a:r>
-            <a:endParaRPr lang="en-IE" altLang="zh-CN" dirty="0"/>
-          </a:p>
-          <a:p>
             <a:pPr marL="0" indent="0">
               <a:buNone/>
             </a:pPr>
@@ -3525,27 +4089,6 @@
             <a:r>
               <a:rPr lang="en-IE" altLang="zh-CN" dirty="0"/>
               <a:t>Building a knowledge Graph</a:t>
-            </a:r>
-          </a:p>
-          <a:p>
-            <a:pPr lvl="1"/>
-            <a:r>
-              <a:rPr lang="en-IE" altLang="zh-CN" dirty="0"/>
-              <a:t>PDF syllabus extraction</a:t>
-            </a:r>
-          </a:p>
-          <a:p>
-            <a:pPr lvl="1"/>
-            <a:r>
-              <a:rPr lang="en-IE" altLang="zh-CN" dirty="0"/>
-              <a:t>Instructor entity matching</a:t>
-            </a:r>
-          </a:p>
-          <a:p>
-            <a:pPr lvl="1"/>
-            <a:r>
-              <a:rPr lang="en-IE" altLang="zh-CN" dirty="0"/>
-              <a:t>Elasticsearch &amp; python GUI</a:t>
             </a:r>
           </a:p>
         </p:txBody>
@@ -3585,7 +4128,7 @@
           <p:cNvPr id="2" name="标题 1">
             <a:extLst>
               <a:ext uri="{FF2B5EF4-FFF2-40B4-BE49-F238E27FC236}">
-                <a16:creationId xmlns:a16="http://schemas.microsoft.com/office/drawing/2014/main" id="{B3D415CD-2CEF-41AB-8136-8BE5B093CCC1}"/>
+                <a16:creationId xmlns:a16="http://schemas.microsoft.com/office/drawing/2014/main" id="{B9D52297-98F4-40EE-BAC7-07FFCB876303}"/>
               </a:ext>
             </a:extLst>
           </p:cNvPr>
@@ -3603,7 +4146,7 @@
           <a:p>
             <a:r>
               <a:rPr lang="en-IE" altLang="zh-CN" dirty="0"/>
-              <a:t>Building a Distributed web crawler</a:t>
+              <a:t>Outline</a:t>
             </a:r>
             <a:endParaRPr lang="zh-CN" altLang="en-US" dirty="0"/>
           </a:p>
@@ -3614,7 +4157,7 @@
           <p:cNvPr id="3" name="内容占位符 2">
             <a:extLst>
               <a:ext uri="{FF2B5EF4-FFF2-40B4-BE49-F238E27FC236}">
-                <a16:creationId xmlns:a16="http://schemas.microsoft.com/office/drawing/2014/main" id="{042207C3-A8CC-40BE-81AD-6C2F36503522}"/>
+                <a16:creationId xmlns:a16="http://schemas.microsoft.com/office/drawing/2014/main" id="{77CEC8E0-ABD1-4FCC-B280-33AA3C027B91}"/>
               </a:ext>
             </a:extLst>
           </p:cNvPr>
@@ -3630,14 +4173,53 @@
           <a:bodyPr/>
           <a:lstStyle/>
           <a:p>
-            <a:endParaRPr lang="zh-CN" altLang="en-US" dirty="0"/>
+            <a:pPr marL="514350" indent="-514350">
+              <a:buFont typeface="+mj-lt"/>
+              <a:buAutoNum type="arabicPeriod"/>
+            </a:pPr>
+            <a:r>
+              <a:rPr lang="en-IE" altLang="zh-CN" dirty="0"/>
+              <a:t>Building a Distributed web crawler </a:t>
+            </a:r>
+          </a:p>
+          <a:p>
+            <a:pPr lvl="1"/>
+            <a:r>
+              <a:rPr lang="en-IE" altLang="zh-CN" dirty="0"/>
+              <a:t>Master &amp; spiders structure</a:t>
+            </a:r>
+          </a:p>
+          <a:p>
+            <a:pPr lvl="1"/>
+            <a:r>
+              <a:rPr lang="en-IE" altLang="zh-CN" dirty="0"/>
+              <a:t>Guaranty politeness and priority</a:t>
+            </a:r>
+          </a:p>
+          <a:p>
+            <a:pPr lvl="1"/>
+            <a:r>
+              <a:rPr lang="en-IE" altLang="zh-CN" dirty="0"/>
+              <a:t>Base on Apache Kafka, Redis, MongoDB and </a:t>
+            </a:r>
+            <a:r>
+              <a:rPr lang="en-IE" altLang="zh-CN" dirty="0" err="1"/>
+              <a:t>scrapy</a:t>
+            </a:r>
+            <a:endParaRPr lang="en-IE" altLang="zh-CN" dirty="0"/>
+          </a:p>
+          <a:p>
+            <a:pPr marL="0" indent="0">
+              <a:buNone/>
+            </a:pPr>
+            <a:endParaRPr lang="en-IE" altLang="zh-CN" dirty="0"/>
           </a:p>
         </p:txBody>
       </p:sp>
     </p:spTree>
     <p:extLst>
       <p:ext uri="{BB962C8B-B14F-4D97-AF65-F5344CB8AC3E}">
-        <p14:creationId xmlns:p14="http://schemas.microsoft.com/office/powerpoint/2010/main" val="3309074932"/>
+        <p14:creationId xmlns:p14="http://schemas.microsoft.com/office/powerpoint/2010/main" val="3124701337"/>
       </p:ext>
     </p:extLst>
   </p:cSld>
@@ -3664,12 +4246,48 @@
           <a:chExt cx="0" cy="0"/>
         </a:xfrm>
       </p:grpSpPr>
+      <p:pic>
+        <p:nvPicPr>
+          <p:cNvPr id="5" name="图片 4">
+            <a:extLst>
+              <a:ext uri="{FF2B5EF4-FFF2-40B4-BE49-F238E27FC236}">
+                <a16:creationId xmlns:a16="http://schemas.microsoft.com/office/drawing/2014/main" id="{DCED915F-351B-4450-81C0-5344063FF257}"/>
+              </a:ext>
+            </a:extLst>
+          </p:cNvPr>
+          <p:cNvPicPr>
+            <a:picLocks noChangeAspect="1"/>
+          </p:cNvPicPr>
+          <p:nvPr/>
+        </p:nvPicPr>
+        <p:blipFill>
+          <a:blip r:embed="rId2">
+            <a:extLst>
+              <a:ext uri="{28A0092B-C50C-407E-A947-70E740481C1C}">
+                <a14:useLocalDpi xmlns:a14="http://schemas.microsoft.com/office/drawing/2010/main" val="0"/>
+              </a:ext>
+            </a:extLst>
+          </a:blip>
+          <a:stretch>
+            <a:fillRect/>
+          </a:stretch>
+        </p:blipFill>
+        <p:spPr>
+          <a:xfrm>
+            <a:off x="2556968" y="1891658"/>
+            <a:ext cx="7078063" cy="4601217"/>
+          </a:xfrm>
+          <a:prstGeom prst="rect">
+            <a:avLst/>
+          </a:prstGeom>
+        </p:spPr>
+      </p:pic>
       <p:sp>
         <p:nvSpPr>
           <p:cNvPr id="2" name="标题 1">
             <a:extLst>
               <a:ext uri="{FF2B5EF4-FFF2-40B4-BE49-F238E27FC236}">
-                <a16:creationId xmlns:a16="http://schemas.microsoft.com/office/drawing/2014/main" id="{AC8D5EE0-0619-4869-AF30-44CEE6AFFAEE}"/>
+                <a16:creationId xmlns:a16="http://schemas.microsoft.com/office/drawing/2014/main" id="{B3D415CD-2CEF-41AB-8136-8BE5B093CCC1}"/>
               </a:ext>
             </a:extLst>
           </p:cNvPr>
@@ -3685,11 +4303,11 @@
           <a:bodyPr/>
           <a:lstStyle/>
           <a:p>
-            <a:pPr marL="514350" indent="-514350"/>
-            <a:r>
-              <a:rPr lang="en-IE" altLang="zh-CN" dirty="0"/>
-              <a:t>Building a knowledge graph</a:t>
-            </a:r>
+            <a:r>
+              <a:rPr lang="en-IE" altLang="zh-CN" dirty="0"/>
+              <a:t>Building a Distributed web crawler</a:t>
+            </a:r>
+            <a:endParaRPr lang="zh-CN" altLang="en-US" dirty="0"/>
           </a:p>
         </p:txBody>
       </p:sp>
@@ -3698,7 +4316,7 @@
           <p:cNvPr id="3" name="内容占位符 2">
             <a:extLst>
               <a:ext uri="{FF2B5EF4-FFF2-40B4-BE49-F238E27FC236}">
-                <a16:creationId xmlns:a16="http://schemas.microsoft.com/office/drawing/2014/main" id="{147BAA80-7B5A-47A7-BE46-13042720BC02}"/>
+                <a16:creationId xmlns:a16="http://schemas.microsoft.com/office/drawing/2014/main" id="{042207C3-A8CC-40BE-81AD-6C2F36503522}"/>
               </a:ext>
             </a:extLst>
           </p:cNvPr>
@@ -3714,13 +4332,9 @@
           <a:bodyPr/>
           <a:lstStyle/>
           <a:p>
-            <a:pPr marL="514350" indent="-514350">
-              <a:buFont typeface="+mj-lt"/>
-              <a:buAutoNum type="arabicPeriod"/>
-            </a:pPr>
-            <a:r>
-              <a:rPr lang="en-IE" altLang="zh-CN" dirty="0"/>
-              <a:t>Ontology</a:t>
+            <a:r>
+              <a:rPr lang="en-IE" altLang="zh-CN" dirty="0"/>
+              <a:t>General Framework</a:t>
             </a:r>
             <a:endParaRPr lang="zh-CN" altLang="en-US" dirty="0"/>
           </a:p>
@@ -3729,7 +4343,7 @@
     </p:spTree>
     <p:extLst>
       <p:ext uri="{BB962C8B-B14F-4D97-AF65-F5344CB8AC3E}">
-        <p14:creationId xmlns:p14="http://schemas.microsoft.com/office/powerpoint/2010/main" val="4030682441"/>
+        <p14:creationId xmlns:p14="http://schemas.microsoft.com/office/powerpoint/2010/main" val="3309074932"/>
       </p:ext>
     </p:extLst>
   </p:cSld>
@@ -3740,6 +4354,393 @@
 </file>
 
 <file path=ppt/slides/slide5.xml><?xml version="1.0" encoding="utf-8"?>
+<p:sld xmlns:a="http://schemas.openxmlformats.org/drawingml/2006/main" xmlns:r="http://schemas.openxmlformats.org/officeDocument/2006/relationships" xmlns:p="http://schemas.openxmlformats.org/presentationml/2006/main">
+  <p:cSld>
+    <p:spTree>
+      <p:nvGrpSpPr>
+        <p:cNvPr id="1" name=""/>
+        <p:cNvGrpSpPr/>
+        <p:nvPr/>
+      </p:nvGrpSpPr>
+      <p:grpSpPr>
+        <a:xfrm>
+          <a:off x="0" y="0"/>
+          <a:ext cx="0" cy="0"/>
+          <a:chOff x="0" y="0"/>
+          <a:chExt cx="0" cy="0"/>
+        </a:xfrm>
+      </p:grpSpPr>
+      <p:sp>
+        <p:nvSpPr>
+          <p:cNvPr id="2" name="标题 1">
+            <a:extLst>
+              <a:ext uri="{FF2B5EF4-FFF2-40B4-BE49-F238E27FC236}">
+                <a16:creationId xmlns:a16="http://schemas.microsoft.com/office/drawing/2014/main" id="{B3D415CD-2CEF-41AB-8136-8BE5B093CCC1}"/>
+              </a:ext>
+            </a:extLst>
+          </p:cNvPr>
+          <p:cNvSpPr>
+            <a:spLocks noGrp="1"/>
+          </p:cNvSpPr>
+          <p:nvPr>
+            <p:ph type="title"/>
+          </p:nvPr>
+        </p:nvSpPr>
+        <p:spPr/>
+        <p:txBody>
+          <a:bodyPr/>
+          <a:lstStyle/>
+          <a:p>
+            <a:r>
+              <a:rPr lang="en-IE" altLang="zh-CN" dirty="0"/>
+              <a:t>Building a Distributed web crawler</a:t>
+            </a:r>
+            <a:endParaRPr lang="zh-CN" altLang="en-US" dirty="0"/>
+          </a:p>
+        </p:txBody>
+      </p:sp>
+      <p:sp>
+        <p:nvSpPr>
+          <p:cNvPr id="3" name="内容占位符 2">
+            <a:extLst>
+              <a:ext uri="{FF2B5EF4-FFF2-40B4-BE49-F238E27FC236}">
+                <a16:creationId xmlns:a16="http://schemas.microsoft.com/office/drawing/2014/main" id="{042207C3-A8CC-40BE-81AD-6C2F36503522}"/>
+              </a:ext>
+            </a:extLst>
+          </p:cNvPr>
+          <p:cNvSpPr>
+            <a:spLocks noGrp="1"/>
+          </p:cNvSpPr>
+          <p:nvPr>
+            <p:ph idx="1"/>
+          </p:nvPr>
+        </p:nvSpPr>
+        <p:spPr/>
+        <p:txBody>
+          <a:bodyPr/>
+          <a:lstStyle/>
+          <a:p>
+            <a:r>
+              <a:rPr lang="en-IE" altLang="zh-CN" dirty="0"/>
+              <a:t>Priority &amp; Politeness - Master</a:t>
+            </a:r>
+          </a:p>
+          <a:p>
+            <a:pPr lvl="1"/>
+            <a:endParaRPr lang="en-IE" altLang="zh-CN" dirty="0"/>
+          </a:p>
+          <a:p>
+            <a:pPr lvl="1"/>
+            <a:r>
+              <a:rPr lang="en-IE" altLang="zh-CN" dirty="0"/>
+              <a:t>Master configuration: domain priority, </a:t>
+            </a:r>
+            <a:r>
+              <a:rPr lang="en-IE" altLang="zh-CN" dirty="0" err="1"/>
+              <a:t>num</a:t>
+            </a:r>
+            <a:r>
+              <a:rPr lang="en-IE" altLang="zh-CN" dirty="0"/>
+              <a:t> pages/second</a:t>
+            </a:r>
+          </a:p>
+          <a:p>
+            <a:pPr lvl="1"/>
+            <a:r>
+              <a:rPr lang="en-IE" altLang="zh-CN" dirty="0"/>
+              <a:t>Randomly distribute jobs with care of priority &amp; politeness</a:t>
+            </a:r>
+            <a:endParaRPr lang="zh-CN" altLang="en-US" dirty="0"/>
+          </a:p>
+        </p:txBody>
+      </p:sp>
+    </p:spTree>
+    <p:extLst>
+      <p:ext uri="{BB962C8B-B14F-4D97-AF65-F5344CB8AC3E}">
+        <p14:creationId xmlns:p14="http://schemas.microsoft.com/office/powerpoint/2010/main" val="4120954230"/>
+      </p:ext>
+    </p:extLst>
+  </p:cSld>
+  <p:clrMapOvr>
+    <a:masterClrMapping/>
+  </p:clrMapOvr>
+</p:sld>
+</file>
+
+<file path=ppt/slides/slide6.xml><?xml version="1.0" encoding="utf-8"?>
+<p:sld xmlns:a="http://schemas.openxmlformats.org/drawingml/2006/main" xmlns:r="http://schemas.openxmlformats.org/officeDocument/2006/relationships" xmlns:p="http://schemas.openxmlformats.org/presentationml/2006/main">
+  <p:cSld>
+    <p:spTree>
+      <p:nvGrpSpPr>
+        <p:cNvPr id="1" name=""/>
+        <p:cNvGrpSpPr/>
+        <p:nvPr/>
+      </p:nvGrpSpPr>
+      <p:grpSpPr>
+        <a:xfrm>
+          <a:off x="0" y="0"/>
+          <a:ext cx="0" cy="0"/>
+          <a:chOff x="0" y="0"/>
+          <a:chExt cx="0" cy="0"/>
+        </a:xfrm>
+      </p:grpSpPr>
+      <p:sp>
+        <p:nvSpPr>
+          <p:cNvPr id="2" name="标题 1">
+            <a:extLst>
+              <a:ext uri="{FF2B5EF4-FFF2-40B4-BE49-F238E27FC236}">
+                <a16:creationId xmlns:a16="http://schemas.microsoft.com/office/drawing/2014/main" id="{B3D415CD-2CEF-41AB-8136-8BE5B093CCC1}"/>
+              </a:ext>
+            </a:extLst>
+          </p:cNvPr>
+          <p:cNvSpPr>
+            <a:spLocks noGrp="1"/>
+          </p:cNvSpPr>
+          <p:nvPr>
+            <p:ph type="title"/>
+          </p:nvPr>
+        </p:nvSpPr>
+        <p:spPr/>
+        <p:txBody>
+          <a:bodyPr/>
+          <a:lstStyle/>
+          <a:p>
+            <a:r>
+              <a:rPr lang="en-IE" altLang="zh-CN" dirty="0"/>
+              <a:t>Building a Distributed web crawler</a:t>
+            </a:r>
+            <a:endParaRPr lang="zh-CN" altLang="en-US" dirty="0"/>
+          </a:p>
+        </p:txBody>
+      </p:sp>
+      <p:sp>
+        <p:nvSpPr>
+          <p:cNvPr id="3" name="内容占位符 2">
+            <a:extLst>
+              <a:ext uri="{FF2B5EF4-FFF2-40B4-BE49-F238E27FC236}">
+                <a16:creationId xmlns:a16="http://schemas.microsoft.com/office/drawing/2014/main" id="{042207C3-A8CC-40BE-81AD-6C2F36503522}"/>
+              </a:ext>
+            </a:extLst>
+          </p:cNvPr>
+          <p:cNvSpPr>
+            <a:spLocks noGrp="1"/>
+          </p:cNvSpPr>
+          <p:nvPr>
+            <p:ph idx="1"/>
+          </p:nvPr>
+        </p:nvSpPr>
+        <p:spPr/>
+        <p:txBody>
+          <a:bodyPr/>
+          <a:lstStyle/>
+          <a:p>
+            <a:r>
+              <a:rPr lang="en-IE" altLang="zh-CN" dirty="0"/>
+              <a:t>Internal service reasoning</a:t>
+            </a:r>
+          </a:p>
+          <a:p>
+            <a:pPr lvl="1"/>
+            <a:endParaRPr lang="en-IE" altLang="zh-CN" dirty="0"/>
+          </a:p>
+          <a:p>
+            <a:pPr lvl="1"/>
+            <a:r>
+              <a:rPr lang="en-IE" altLang="zh-CN" dirty="0"/>
+              <a:t>Distributed cluster service</a:t>
+            </a:r>
+          </a:p>
+          <a:p>
+            <a:pPr lvl="1"/>
+            <a:endParaRPr lang="en-IE" altLang="zh-CN" dirty="0"/>
+          </a:p>
+          <a:p>
+            <a:pPr lvl="1"/>
+            <a:r>
+              <a:rPr lang="en-IE" altLang="zh-CN" dirty="0"/>
+              <a:t>Apache Kafka – Robust message send/receive platform</a:t>
+            </a:r>
+          </a:p>
+          <a:p>
+            <a:pPr lvl="1"/>
+            <a:r>
+              <a:rPr lang="en-IE" altLang="zh-CN" dirty="0"/>
+              <a:t>Redis – Memory based DB, fast for short message exchange</a:t>
+            </a:r>
+          </a:p>
+          <a:p>
+            <a:pPr lvl="1"/>
+            <a:r>
+              <a:rPr lang="en-IE" altLang="zh-CN" dirty="0"/>
+              <a:t>MongoDB – NoSQL persistence</a:t>
+            </a:r>
+          </a:p>
+        </p:txBody>
+      </p:sp>
+    </p:spTree>
+    <p:extLst>
+      <p:ext uri="{BB962C8B-B14F-4D97-AF65-F5344CB8AC3E}">
+        <p14:creationId xmlns:p14="http://schemas.microsoft.com/office/powerpoint/2010/main" val="1808526455"/>
+      </p:ext>
+    </p:extLst>
+  </p:cSld>
+  <p:clrMapOvr>
+    <a:masterClrMapping/>
+  </p:clrMapOvr>
+</p:sld>
+</file>
+
+<file path=ppt/slides/slide7.xml><?xml version="1.0" encoding="utf-8"?>
+<p:sld xmlns:a="http://schemas.openxmlformats.org/drawingml/2006/main" xmlns:r="http://schemas.openxmlformats.org/officeDocument/2006/relationships" xmlns:p="http://schemas.openxmlformats.org/presentationml/2006/main">
+  <p:cSld>
+    <p:spTree>
+      <p:nvGrpSpPr>
+        <p:cNvPr id="1" name=""/>
+        <p:cNvGrpSpPr/>
+        <p:nvPr/>
+      </p:nvGrpSpPr>
+      <p:grpSpPr>
+        <a:xfrm>
+          <a:off x="0" y="0"/>
+          <a:ext cx="0" cy="0"/>
+          <a:chOff x="0" y="0"/>
+          <a:chExt cx="0" cy="0"/>
+        </a:xfrm>
+      </p:grpSpPr>
+      <p:sp>
+        <p:nvSpPr>
+          <p:cNvPr id="2" name="标题 1">
+            <a:extLst>
+              <a:ext uri="{FF2B5EF4-FFF2-40B4-BE49-F238E27FC236}">
+                <a16:creationId xmlns:a16="http://schemas.microsoft.com/office/drawing/2014/main" id="{B9D52297-98F4-40EE-BAC7-07FFCB876303}"/>
+              </a:ext>
+            </a:extLst>
+          </p:cNvPr>
+          <p:cNvSpPr>
+            <a:spLocks noGrp="1"/>
+          </p:cNvSpPr>
+          <p:nvPr>
+            <p:ph type="title"/>
+          </p:nvPr>
+        </p:nvSpPr>
+        <p:spPr/>
+        <p:txBody>
+          <a:bodyPr/>
+          <a:lstStyle/>
+          <a:p>
+            <a:r>
+              <a:rPr lang="en-IE" altLang="zh-CN" dirty="0"/>
+              <a:t>Outline</a:t>
+            </a:r>
+            <a:endParaRPr lang="zh-CN" altLang="en-US" dirty="0"/>
+          </a:p>
+        </p:txBody>
+      </p:sp>
+      <p:sp>
+        <p:nvSpPr>
+          <p:cNvPr id="3" name="内容占位符 2">
+            <a:extLst>
+              <a:ext uri="{FF2B5EF4-FFF2-40B4-BE49-F238E27FC236}">
+                <a16:creationId xmlns:a16="http://schemas.microsoft.com/office/drawing/2014/main" id="{77CEC8E0-ABD1-4FCC-B280-33AA3C027B91}"/>
+              </a:ext>
+            </a:extLst>
+          </p:cNvPr>
+          <p:cNvSpPr>
+            <a:spLocks noGrp="1"/>
+          </p:cNvSpPr>
+          <p:nvPr>
+            <p:ph idx="1"/>
+          </p:nvPr>
+        </p:nvSpPr>
+        <p:spPr/>
+        <p:txBody>
+          <a:bodyPr/>
+          <a:lstStyle/>
+          <a:p>
+            <a:pPr marL="514350" indent="-514350">
+              <a:buFont typeface="+mj-lt"/>
+              <a:buAutoNum type="arabicPeriod"/>
+            </a:pPr>
+            <a:r>
+              <a:rPr lang="en-IE" altLang="zh-CN" dirty="0"/>
+              <a:t>Building a Distributed web crawler </a:t>
+            </a:r>
+          </a:p>
+          <a:p>
+            <a:pPr marL="0" indent="0">
+              <a:buNone/>
+            </a:pPr>
+            <a:endParaRPr lang="en-IE" altLang="zh-CN" dirty="0"/>
+          </a:p>
+          <a:p>
+            <a:pPr marL="514350" indent="-514350">
+              <a:buFont typeface="+mj-lt"/>
+              <a:buAutoNum type="arabicPeriod" startAt="2"/>
+            </a:pPr>
+            <a:r>
+              <a:rPr lang="en-IE" altLang="zh-CN" dirty="0"/>
+              <a:t>Building a knowledge Graph</a:t>
+            </a:r>
+          </a:p>
+          <a:p>
+            <a:pPr lvl="1"/>
+            <a:r>
+              <a:rPr lang="en-IE" altLang="zh-CN" dirty="0"/>
+              <a:t>Ontology</a:t>
+            </a:r>
+          </a:p>
+          <a:p>
+            <a:pPr lvl="1"/>
+            <a:r>
+              <a:rPr lang="en-IE" altLang="zh-CN" dirty="0"/>
+              <a:t>PDF extraction</a:t>
+            </a:r>
+          </a:p>
+          <a:p>
+            <a:pPr lvl="1"/>
+            <a:r>
+              <a:rPr lang="en-IE" altLang="zh-CN" dirty="0"/>
+              <a:t>Instructor entity matching</a:t>
+            </a:r>
+          </a:p>
+          <a:p>
+            <a:pPr lvl="1"/>
+            <a:r>
+              <a:rPr lang="en-IE" altLang="zh-CN" dirty="0"/>
+              <a:t>Elasticsearch &amp; queries</a:t>
+            </a:r>
+            <a:endParaRPr lang="zh-CN" altLang="en-US" dirty="0"/>
+          </a:p>
+          <a:p>
+            <a:pPr marL="514350" indent="-514350">
+              <a:buFont typeface="+mj-lt"/>
+              <a:buAutoNum type="arabicPeriod" startAt="2"/>
+            </a:pPr>
+            <a:endParaRPr lang="en-IE" altLang="zh-CN" dirty="0"/>
+          </a:p>
+          <a:p>
+            <a:pPr marL="514350" indent="-514350">
+              <a:buFont typeface="+mj-lt"/>
+              <a:buAutoNum type="arabicPeriod" startAt="2"/>
+            </a:pPr>
+            <a:endParaRPr lang="en-IE" altLang="zh-CN" dirty="0"/>
+          </a:p>
+        </p:txBody>
+      </p:sp>
+    </p:spTree>
+    <p:extLst>
+      <p:ext uri="{BB962C8B-B14F-4D97-AF65-F5344CB8AC3E}">
+        <p14:creationId xmlns:p14="http://schemas.microsoft.com/office/powerpoint/2010/main" val="1368510102"/>
+      </p:ext>
+    </p:extLst>
+  </p:cSld>
+  <p:clrMapOvr>
+    <a:masterClrMapping/>
+  </p:clrMapOvr>
+</p:sld>
+</file>
+
+<file path=ppt/slides/slide8.xml><?xml version="1.0" encoding="utf-8"?>
 <p:sld xmlns:a="http://schemas.openxmlformats.org/drawingml/2006/main" xmlns:r="http://schemas.openxmlformats.org/officeDocument/2006/relationships" xmlns:p="http://schemas.openxmlformats.org/presentationml/2006/main">
   <p:cSld>
     <p:spTree>
@@ -3863,7 +4864,7 @@
 </p:sld>
 </file>
 
-<file path=ppt/slides/slide6.xml><?xml version="1.0" encoding="utf-8"?>
+<file path=ppt/slides/slide9.xml><?xml version="1.0" encoding="utf-8"?>
 <p:sld xmlns:a="http://schemas.openxmlformats.org/drawingml/2006/main" xmlns:r="http://schemas.openxmlformats.org/officeDocument/2006/relationships" xmlns:p="http://schemas.openxmlformats.org/presentationml/2006/main">
   <p:cSld>
     <p:spTree>
@@ -3978,239 +4979,6 @@
     <p:extLst>
       <p:ext uri="{BB962C8B-B14F-4D97-AF65-F5344CB8AC3E}">
         <p14:creationId xmlns:p14="http://schemas.microsoft.com/office/powerpoint/2010/main" val="1329516585"/>
-      </p:ext>
-    </p:extLst>
-  </p:cSld>
-  <p:clrMapOvr>
-    <a:masterClrMapping/>
-  </p:clrMapOvr>
-</p:sld>
-</file>
-
-<file path=ppt/slides/slide7.xml><?xml version="1.0" encoding="utf-8"?>
-<p:sld xmlns:a="http://schemas.openxmlformats.org/drawingml/2006/main" xmlns:r="http://schemas.openxmlformats.org/officeDocument/2006/relationships" xmlns:p="http://schemas.openxmlformats.org/presentationml/2006/main">
-  <p:cSld>
-    <p:spTree>
-      <p:nvGrpSpPr>
-        <p:cNvPr id="1" name=""/>
-        <p:cNvGrpSpPr/>
-        <p:nvPr/>
-      </p:nvGrpSpPr>
-      <p:grpSpPr>
-        <a:xfrm>
-          <a:off x="0" y="0"/>
-          <a:ext cx="0" cy="0"/>
-          <a:chOff x="0" y="0"/>
-          <a:chExt cx="0" cy="0"/>
-        </a:xfrm>
-      </p:grpSpPr>
-      <p:sp>
-        <p:nvSpPr>
-          <p:cNvPr id="2" name="标题 1">
-            <a:extLst>
-              <a:ext uri="{FF2B5EF4-FFF2-40B4-BE49-F238E27FC236}">
-                <a16:creationId xmlns:a16="http://schemas.microsoft.com/office/drawing/2014/main" id="{AC8D5EE0-0619-4869-AF30-44CEE6AFFAEE}"/>
-              </a:ext>
-            </a:extLst>
-          </p:cNvPr>
-          <p:cNvSpPr>
-            <a:spLocks noGrp="1"/>
-          </p:cNvSpPr>
-          <p:nvPr>
-            <p:ph type="title"/>
-          </p:nvPr>
-        </p:nvSpPr>
-        <p:spPr/>
-        <p:txBody>
-          <a:bodyPr/>
-          <a:lstStyle/>
-          <a:p>
-            <a:pPr marL="514350" indent="-514350"/>
-            <a:r>
-              <a:rPr lang="en-IE" altLang="zh-CN" dirty="0"/>
-              <a:t>Building a knowledge graph</a:t>
-            </a:r>
-          </a:p>
-        </p:txBody>
-      </p:sp>
-      <p:sp>
-        <p:nvSpPr>
-          <p:cNvPr id="3" name="内容占位符 2">
-            <a:extLst>
-              <a:ext uri="{FF2B5EF4-FFF2-40B4-BE49-F238E27FC236}">
-                <a16:creationId xmlns:a16="http://schemas.microsoft.com/office/drawing/2014/main" id="{147BAA80-7B5A-47A7-BE46-13042720BC02}"/>
-              </a:ext>
-            </a:extLst>
-          </p:cNvPr>
-          <p:cNvSpPr>
-            <a:spLocks noGrp="1"/>
-          </p:cNvSpPr>
-          <p:nvPr>
-            <p:ph idx="1"/>
-          </p:nvPr>
-        </p:nvSpPr>
-        <p:spPr/>
-        <p:txBody>
-          <a:bodyPr/>
-          <a:lstStyle/>
-          <a:p>
-            <a:r>
-              <a:rPr lang="en-IE" altLang="zh-CN" dirty="0"/>
-              <a:t>PDF syllabus extraction</a:t>
-            </a:r>
-          </a:p>
-          <a:p>
-            <a:pPr lvl="1"/>
-            <a:r>
-              <a:rPr lang="en-IE" altLang="zh-CN" dirty="0"/>
-              <a:t>Instructor email</a:t>
-            </a:r>
-          </a:p>
-          <a:p>
-            <a:pPr lvl="1"/>
-            <a:r>
-              <a:rPr lang="en-IE" altLang="zh-CN" dirty="0"/>
-              <a:t>Section office hour</a:t>
-            </a:r>
-          </a:p>
-          <a:p>
-            <a:endParaRPr lang="en-IE" altLang="zh-CN" dirty="0"/>
-          </a:p>
-          <a:p>
-            <a:endParaRPr lang="en-IE" altLang="zh-CN" dirty="0"/>
-          </a:p>
-          <a:p>
-            <a:r>
-              <a:rPr lang="en-IE" altLang="zh-CN" dirty="0"/>
-              <a:t>Instructor entity matching</a:t>
-            </a:r>
-          </a:p>
-          <a:p>
-            <a:pPr lvl="1"/>
-            <a:r>
-              <a:rPr lang="en-IE" altLang="zh-CN" dirty="0"/>
-              <a:t>Similarity of instructor name</a:t>
-            </a:r>
-          </a:p>
-        </p:txBody>
-      </p:sp>
-    </p:spTree>
-    <p:extLst>
-      <p:ext uri="{BB962C8B-B14F-4D97-AF65-F5344CB8AC3E}">
-        <p14:creationId xmlns:p14="http://schemas.microsoft.com/office/powerpoint/2010/main" val="1805502130"/>
-      </p:ext>
-    </p:extLst>
-  </p:cSld>
-  <p:clrMapOvr>
-    <a:masterClrMapping/>
-  </p:clrMapOvr>
-</p:sld>
-</file>
-
-<file path=ppt/slides/slide8.xml><?xml version="1.0" encoding="utf-8"?>
-<p:sld xmlns:a="http://schemas.openxmlformats.org/drawingml/2006/main" xmlns:r="http://schemas.openxmlformats.org/officeDocument/2006/relationships" xmlns:p="http://schemas.openxmlformats.org/presentationml/2006/main">
-  <p:cSld>
-    <p:spTree>
-      <p:nvGrpSpPr>
-        <p:cNvPr id="1" name=""/>
-        <p:cNvGrpSpPr/>
-        <p:nvPr/>
-      </p:nvGrpSpPr>
-      <p:grpSpPr>
-        <a:xfrm>
-          <a:off x="0" y="0"/>
-          <a:ext cx="0" cy="0"/>
-          <a:chOff x="0" y="0"/>
-          <a:chExt cx="0" cy="0"/>
-        </a:xfrm>
-      </p:grpSpPr>
-      <p:sp>
-        <p:nvSpPr>
-          <p:cNvPr id="2" name="标题 1">
-            <a:extLst>
-              <a:ext uri="{FF2B5EF4-FFF2-40B4-BE49-F238E27FC236}">
-                <a16:creationId xmlns:a16="http://schemas.microsoft.com/office/drawing/2014/main" id="{AC8D5EE0-0619-4869-AF30-44CEE6AFFAEE}"/>
-              </a:ext>
-            </a:extLst>
-          </p:cNvPr>
-          <p:cNvSpPr>
-            <a:spLocks noGrp="1"/>
-          </p:cNvSpPr>
-          <p:nvPr>
-            <p:ph type="title"/>
-          </p:nvPr>
-        </p:nvSpPr>
-        <p:spPr/>
-        <p:txBody>
-          <a:bodyPr/>
-          <a:lstStyle/>
-          <a:p>
-            <a:pPr marL="514350" indent="-514350"/>
-            <a:r>
-              <a:rPr lang="en-IE" altLang="zh-CN" dirty="0"/>
-              <a:t>Building a knowledge graph</a:t>
-            </a:r>
-          </a:p>
-        </p:txBody>
-      </p:sp>
-      <p:sp>
-        <p:nvSpPr>
-          <p:cNvPr id="3" name="内容占位符 2">
-            <a:extLst>
-              <a:ext uri="{FF2B5EF4-FFF2-40B4-BE49-F238E27FC236}">
-                <a16:creationId xmlns:a16="http://schemas.microsoft.com/office/drawing/2014/main" id="{147BAA80-7B5A-47A7-BE46-13042720BC02}"/>
-              </a:ext>
-            </a:extLst>
-          </p:cNvPr>
-          <p:cNvSpPr>
-            <a:spLocks noGrp="1"/>
-          </p:cNvSpPr>
-          <p:nvPr>
-            <p:ph idx="1"/>
-          </p:nvPr>
-        </p:nvSpPr>
-        <p:spPr/>
-        <p:txBody>
-          <a:bodyPr/>
-          <a:lstStyle/>
-          <a:p>
-            <a:r>
-              <a:rPr lang="en-IE" altLang="zh-CN" dirty="0"/>
-              <a:t>Application</a:t>
-            </a:r>
-          </a:p>
-          <a:p>
-            <a:pPr lvl="1"/>
-            <a:r>
-              <a:rPr lang="en-IE" altLang="zh-CN" dirty="0"/>
-              <a:t>BFS query – Ranked by similarity score</a:t>
-            </a:r>
-          </a:p>
-          <a:p>
-            <a:pPr lvl="1"/>
-            <a:r>
-              <a:rPr lang="en-IE" altLang="zh-CN"/>
-              <a:t>DFS</a:t>
-            </a:r>
-            <a:endParaRPr lang="en-US" altLang="zh-CN" dirty="0"/>
-          </a:p>
-          <a:p>
-            <a:pPr lvl="1"/>
-            <a:r>
-              <a:rPr lang="en-US" altLang="zh-CN" dirty="0" err="1"/>
-              <a:t>Tkinter</a:t>
-            </a:r>
-            <a:r>
-              <a:rPr lang="en-IE" altLang="zh-CN" dirty="0"/>
-              <a:t> Python GUI </a:t>
-            </a:r>
-          </a:p>
-        </p:txBody>
-      </p:sp>
-    </p:spTree>
-    <p:extLst>
-      <p:ext uri="{BB962C8B-B14F-4D97-AF65-F5344CB8AC3E}">
-        <p14:creationId xmlns:p14="http://schemas.microsoft.com/office/powerpoint/2010/main" val="2544722848"/>
       </p:ext>
     </p:extLst>
   </p:cSld>
